--- a/Hackers/DEFCON_1pager_2019.pptx
+++ b/Hackers/DEFCON_1pager_2019.pptx
@@ -4020,7 +4020,7 @@
                 </a:solidFill>
                 <a:cs typeface="Arial" panose="020B0604020202020204" pitchFamily="34" charset="0"/>
               </a:rPr>
-              <a:t> OWASP is an honest, truthful, vendor neutral and diverse community.</a:t>
+              <a:t> OWASP is an honest, truthful, vendor neutral and global community.</a:t>
             </a:r>
           </a:p>
           <a:p>
